--- a/files/admin-guide/SAC-admin-guide-add-news-article.pptx
+++ b/files/admin-guide/SAC-admin-guide-add-news-article.pptx
@@ -237,7 +237,7 @@
           <a:p>
             <a:fld id="{E423CC32-96CD-44F0-8162-1CACD40F9286}" type="datetimeFigureOut">
               <a:rPr lang="en-SG" smtClean="0"/>
-              <a:t>28/6/2019</a:t>
+              <a:t>2/7/2019</a:t>
             </a:fld>
             <a:endParaRPr lang="en-SG"/>
           </a:p>
@@ -5191,7 +5191,15 @@
                   <a:srgbClr val="C00000"/>
                 </a:solidFill>
               </a:rPr>
-              <a:t>Sub-links for each category inside the NewsRoom</a:t>
+              <a:t>Links </a:t>
+            </a:r>
+            <a:r>
+              <a:rPr lang="en-US" sz="1400" dirty="0" smtClean="0">
+                <a:solidFill>
+                  <a:srgbClr val="C00000"/>
+                </a:solidFill>
+              </a:rPr>
+              <a:t>for each category inside the NewsRoom</a:t>
             </a:r>
           </a:p>
         </p:txBody>
@@ -7307,35 +7315,7 @@
                 <a:latin typeface="Consolas" panose="020B0609020204030204" pitchFamily="49" charset="0"/>
                 <a:cs typeface="Courier New" panose="02070309020205020404" pitchFamily="49" charset="0"/>
               </a:rPr>
-              <a:t>permalink: </a:t>
-            </a:r>
-            <a:r>
-              <a:rPr kumimoji="0" lang="en-US" altLang="en-US" sz="1200" b="0" i="0" u="none" strike="noStrike" cap="none" normalizeH="0" baseline="0" dirty="0" smtClean="0">
-                <a:ln>
-                  <a:noFill/>
-                </a:ln>
-                <a:solidFill>
-                  <a:srgbClr val="767676"/>
-                </a:solidFill>
-                <a:effectLst/>
-                <a:latin typeface="Consolas" panose="020B0609020204030204" pitchFamily="49" charset="0"/>
-                <a:cs typeface="Courier New" panose="02070309020205020404" pitchFamily="49" charset="0"/>
-              </a:rPr>
-              <a:t>/newsroom/news-releases/fill-in-your-own-title-description</a:t>
-            </a:r>
-            <a:r>
-              <a:rPr kumimoji="0" lang="en-US" altLang="en-US" sz="1200" b="0" i="0" u="none" strike="noStrike" cap="none" normalizeH="0" baseline="0" dirty="0" smtClean="0">
-                <a:ln>
-                  <a:noFill/>
-                </a:ln>
-                <a:solidFill>
-                  <a:srgbClr val="767676"/>
-                </a:solidFill>
-                <a:effectLst/>
-                <a:latin typeface="Consolas" panose="020B0609020204030204" pitchFamily="49" charset="0"/>
-                <a:cs typeface="Courier New" panose="02070309020205020404" pitchFamily="49" charset="0"/>
-              </a:rPr>
-              <a:t>/ </a:t>
+              <a:t>permalink: /newsroom/news-releases/fill-in-your-own-title-description/ </a:t>
             </a:r>
           </a:p>
           <a:p>
